--- a/AgentOps_KBC_Presentation.pptx
+++ b/AgentOps_KBC_Presentation.pptx
@@ -10,9 +10,10 @@
     <p:sldId id="258" r:id="rId4"/>
     <p:sldId id="259" r:id="rId5"/>
     <p:sldId id="260" r:id="rId6"/>
+    <p:sldId id="261" r:id="rId7"/>
   </p:sldIdLst>
   <p:notesMasterIdLst>
-    <p:notesMasterId r:id="rId7"/>
+    <p:notesMasterId r:id="rId8"/>
   </p:notesMasterIdLst>
   <p:sldSz cx="9144000" cy="5143500"/>
   <p:notesSz cx="5143500" cy="9144000"/>
@@ -882,6 +883,94 @@
             <a:fld id="{F7021451-1387-4CA6-816F-3879F97B5CBC}" type="slidenum">
               <a:rPr lang="en-US"/>
               <a:t>5</a:t>
+            </a:fld>
+            <a:endParaRPr lang="en-US"/>
+          </a:p>
+        </p:txBody>
+      </p:sp>
+    </p:spTree>
+    <p:extLst>
+      <p:ext uri="{BB962C8B-B14F-4D97-AF65-F5344CB8AC3E}">
+        <p14:creationId xmlns:p14="http://schemas.microsoft.com/office/powerpoint/2010/main" val="1024086991"/>
+      </p:ext>
+    </p:extLst>
+  </p:cSld>
+  <p:clrMapOvr>
+    <a:masterClrMapping/>
+  </p:clrMapOvr>
+</p:notes>
+</file>
+
+<file path=ppt/notesSlides/notesSlide6.xml><?xml version="1.0" encoding="utf-8"?>
+<p:notes xmlns:a="http://schemas.openxmlformats.org/drawingml/2006/main" xmlns:r="http://schemas.openxmlformats.org/officeDocument/2006/relationships" xmlns:p="http://schemas.openxmlformats.org/presentationml/2006/main">
+  <p:cSld>
+    <p:spTree>
+      <p:nvGrpSpPr>
+        <p:cNvPr id="1" name=""/>
+        <p:cNvGrpSpPr/>
+        <p:nvPr/>
+      </p:nvGrpSpPr>
+      <p:grpSpPr>
+        <a:xfrm>
+          <a:off x="0" y="0"/>
+          <a:ext cx="0" cy="0"/>
+          <a:chOff x="0" y="0"/>
+          <a:chExt cx="0" cy="0"/>
+        </a:xfrm>
+      </p:grpSpPr>
+      <p:sp>
+        <p:nvSpPr>
+          <p:cNvPr id="2" name="Slide Image Placeholder 1"/>
+          <p:cNvSpPr>
+            <a:spLocks noGrp="1" noRot="1" noChangeAspect="1"/>
+          </p:cNvSpPr>
+          <p:nvPr>
+            <p:ph type="sldImg"/>
+          </p:nvPr>
+        </p:nvSpPr>
+        <p:spPr/>
+      </p:sp>
+      <p:sp>
+        <p:nvSpPr>
+          <p:cNvPr id="3" name="Notes Placeholder 2"/>
+          <p:cNvSpPr>
+            <a:spLocks noGrp="1"/>
+          </p:cNvSpPr>
+          <p:nvPr>
+            <p:ph type="body" idx="1"/>
+          </p:nvPr>
+        </p:nvSpPr>
+        <p:spPr/>
+        <p:txBody>
+          <a:bodyPr/>
+          <a:lstStyle/>
+          <a:p>
+            <a:r>
+              <a:rPr lang="en-US" dirty="0"/>
+              <a:t/>
+            </a:r>
+            <a:endParaRPr lang="en-US" dirty="0"/>
+          </a:p>
+        </p:txBody>
+      </p:sp>
+      <p:sp>
+        <p:nvSpPr>
+          <p:cNvPr id="4" name="Slide Number Placeholder 3"/>
+          <p:cNvSpPr>
+            <a:spLocks noGrp="1"/>
+          </p:cNvSpPr>
+          <p:nvPr>
+            <p:ph type="sldNum" sz="quarter" idx="10"/>
+          </p:nvPr>
+        </p:nvSpPr>
+        <p:spPr/>
+        <p:txBody>
+          <a:bodyPr/>
+          <a:lstStyle/>
+          <a:p>
+            <a:fld id="{F7021451-1387-4CA6-816F-3879F97B5CBC}" type="slidenum">
+              <a:rPr lang="en-US"/>
+              <a:t>6</a:t>
             </a:fld>
             <a:endParaRPr lang="en-US"/>
           </a:p>
@@ -1527,7 +1616,7 @@
       </p:sp>
       <p:pic>
         <p:nvPicPr>
-          <p:cNvPr id="5" name="Image 0" descr="/tmp/rasterized-gradient-3ac8f241.png">    </p:cNvPr>
+          <p:cNvPr id="5" name="Image 0" descr="/tmp/rasterized-gradient-574a98b6.png">    </p:cNvPr>
           <p:cNvPicPr>
             <a:picLocks noChangeAspect="1"/>
           </p:cNvPicPr>
@@ -3372,6 +3461,827 @@
         <p:spPr>
           <a:xfrm>
             <a:off x="457200" y="457200"/>
+            <a:ext cx="6227636" cy="457200"/>
+          </a:xfrm>
+          <a:prstGeom prst="rect">
+            <a:avLst/>
+          </a:prstGeom>
+          <a:noFill/>
+          <a:ln/>
+        </p:spPr>
+        <p:txBody>
+          <a:bodyPr wrap="square" lIns="0" tIns="0" rIns="0" bIns="0" rtlCol="0" anchor="t"/>
+          <a:lstStyle/>
+          <a:p>
+            <a:pPr algn="l" indent="0" marL="0">
+              <a:lnSpc>
+                <a:spcPts val="3600"/>
+              </a:lnSpc>
+              <a:buNone/>
+            </a:pPr>
+            <a:r>
+              <a:rPr lang="en-US" sz="3000" b="1" dirty="0">
+                <a:solidFill>
+                  <a:srgbClr val="003E7E"/>
+                </a:solidFill>
+                <a:latin typeface="Segoe UI" pitchFamily="34" charset="0"/>
+                <a:ea typeface="Segoe UI" pitchFamily="34" charset="-122"/>
+                <a:cs typeface="Segoe UI" pitchFamily="34" charset="-120"/>
+              </a:rPr>
+              <a:t>Version Control for Business</a:t>
+            </a:r>
+            <a:endParaRPr lang="en-US" sz="3000" dirty="0"/>
+          </a:p>
+        </p:txBody>
+      </p:sp>
+      <p:sp>
+        <p:nvSpPr>
+          <p:cNvPr id="4" name="Text 2"/>
+          <p:cNvSpPr/>
+          <p:nvPr/>
+        </p:nvSpPr>
+        <p:spPr>
+          <a:xfrm>
+            <a:off x="457200" y="1431727"/>
+            <a:ext cx="2312289" cy="211634"/>
+          </a:xfrm>
+          <a:prstGeom prst="rect">
+            <a:avLst/>
+          </a:prstGeom>
+          <a:noFill/>
+          <a:ln/>
+        </p:spPr>
+        <p:txBody>
+          <a:bodyPr wrap="square" lIns="0" tIns="0" rIns="0" bIns="0" rtlCol="0" anchor="t"/>
+          <a:lstStyle/>
+          <a:p>
+            <a:pPr algn="l" indent="0" marL="0">
+              <a:lnSpc>
+                <a:spcPts val="1667"/>
+              </a:lnSpc>
+              <a:spcAft>
+                <a:spcPts val="750"/>
+              </a:spcAft>
+              <a:buNone/>
+            </a:pPr>
+            <a:r>
+              <a:rPr lang="en-US" sz="1500" b="1" dirty="0">
+                <a:solidFill>
+                  <a:srgbClr val="0066CC"/>
+                </a:solidFill>
+                <a:latin typeface="Segoe UI" pitchFamily="34" charset="0"/>
+                <a:ea typeface="Segoe UI" pitchFamily="34" charset="-122"/>
+                <a:cs typeface="Segoe UI" pitchFamily="34" charset="-120"/>
+              </a:rPr>
+              <a:t>What Gets Versioned</a:t>
+            </a:r>
+            <a:endParaRPr lang="en-US" sz="1500" dirty="0"/>
+          </a:p>
+        </p:txBody>
+      </p:sp>
+      <p:sp>
+        <p:nvSpPr>
+          <p:cNvPr id="5" name="Text 3"/>
+          <p:cNvSpPr/>
+          <p:nvPr/>
+        </p:nvSpPr>
+        <p:spPr>
+          <a:xfrm>
+            <a:off x="666750" y="1891010"/>
+            <a:ext cx="3810000" cy="1414463"/>
+          </a:xfrm>
+          <a:prstGeom prst="rect">
+            <a:avLst/>
+          </a:prstGeom>
+          <a:noFill/>
+          <a:ln/>
+        </p:spPr>
+        <p:txBody>
+          <a:bodyPr wrap="square" lIns="85725" tIns="0" rIns="0" bIns="0" rtlCol="0" anchor="t"/>
+          <a:lstStyle/>
+          <a:p>
+            <a:pPr algn="l" marL="85725" indent="-85725">
+              <a:lnSpc>
+                <a:spcPts val="1463"/>
+              </a:lnSpc>
+              <a:spcAft>
+                <a:spcPts val="525"/>
+              </a:spcAft>
+              <a:buSzPct val="100000"/>
+              <a:buChar char="•"/>
+            </a:pPr>
+            <a:r>
+              <a:rPr lang="en-US" sz="1125" dirty="0">
+                <a:solidFill>
+                  <a:srgbClr val="1A1A1A"/>
+                </a:solidFill>
+                <a:latin typeface="Arial" pitchFamily="34" charset="0"/>
+                <a:ea typeface="Arial" pitchFamily="34" charset="-122"/>
+                <a:cs typeface="Arial" pitchFamily="34" charset="-120"/>
+              </a:rPr>
+              <a:t>Agent prompts and instructions</a:t>
+            </a:r>
+            <a:endParaRPr lang="en-US" sz="1125" dirty="0"/>
+          </a:p>
+          <a:p>
+            <a:pPr algn="l" marL="85725" indent="-85725">
+              <a:lnSpc>
+                <a:spcPts val="1463"/>
+              </a:lnSpc>
+              <a:spcAft>
+                <a:spcPts val="525"/>
+              </a:spcAft>
+              <a:buSzPct val="100000"/>
+              <a:buChar char="•"/>
+            </a:pPr>
+            <a:r>
+              <a:rPr lang="en-US" sz="1125" dirty="0">
+                <a:solidFill>
+                  <a:srgbClr val="1A1A1A"/>
+                </a:solidFill>
+                <a:latin typeface="Arial" pitchFamily="34" charset="0"/>
+                <a:ea typeface="Arial" pitchFamily="34" charset="-122"/>
+                <a:cs typeface="Arial" pitchFamily="34" charset="-120"/>
+              </a:rPr>
+              <a:t>Tool configurations</a:t>
+            </a:r>
+            <a:endParaRPr lang="en-US" sz="1125" dirty="0"/>
+          </a:p>
+          <a:p>
+            <a:pPr algn="l" marL="85725" indent="-85725">
+              <a:lnSpc>
+                <a:spcPts val="1463"/>
+              </a:lnSpc>
+              <a:spcAft>
+                <a:spcPts val="525"/>
+              </a:spcAft>
+              <a:buSzPct val="100000"/>
+              <a:buChar char="•"/>
+            </a:pPr>
+            <a:r>
+              <a:rPr lang="en-US" sz="1125" dirty="0">
+                <a:solidFill>
+                  <a:srgbClr val="1A1A1A"/>
+                </a:solidFill>
+                <a:latin typeface="Arial" pitchFamily="34" charset="0"/>
+                <a:ea typeface="Arial" pitchFamily="34" charset="-122"/>
+                <a:cs typeface="Arial" pitchFamily="34" charset="-120"/>
+              </a:rPr>
+              <a:t>Guardrail rules</a:t>
+            </a:r>
+            <a:endParaRPr lang="en-US" sz="1125" dirty="0"/>
+          </a:p>
+          <a:p>
+            <a:pPr algn="l" marL="85725" indent="-85725">
+              <a:lnSpc>
+                <a:spcPts val="1463"/>
+              </a:lnSpc>
+              <a:spcAft>
+                <a:spcPts val="525"/>
+              </a:spcAft>
+              <a:buSzPct val="100000"/>
+              <a:buChar char="•"/>
+            </a:pPr>
+            <a:r>
+              <a:rPr lang="en-US" sz="1125" dirty="0">
+                <a:solidFill>
+                  <a:srgbClr val="1A1A1A"/>
+                </a:solidFill>
+                <a:latin typeface="Arial" pitchFamily="34" charset="0"/>
+                <a:ea typeface="Arial" pitchFamily="34" charset="-122"/>
+                <a:cs typeface="Arial" pitchFamily="34" charset="-120"/>
+              </a:rPr>
+              <a:t>Evaluation datasets</a:t>
+            </a:r>
+            <a:endParaRPr lang="en-US" sz="1125" dirty="0"/>
+          </a:p>
+          <a:p>
+            <a:pPr algn="l" marL="85725" indent="-85725">
+              <a:lnSpc>
+                <a:spcPts val="1463"/>
+              </a:lnSpc>
+              <a:spcAft>
+                <a:spcPts val="525"/>
+              </a:spcAft>
+              <a:buSzPct val="100000"/>
+              <a:buChar char="•"/>
+            </a:pPr>
+            <a:r>
+              <a:rPr lang="en-US" sz="1125" dirty="0">
+                <a:solidFill>
+                  <a:srgbClr val="1A1A1A"/>
+                </a:solidFill>
+                <a:latin typeface="Arial" pitchFamily="34" charset="0"/>
+                <a:ea typeface="Arial" pitchFamily="34" charset="-122"/>
+                <a:cs typeface="Arial" pitchFamily="34" charset="-120"/>
+              </a:rPr>
+              <a:t>Model parameters</a:t>
+            </a:r>
+            <a:endParaRPr lang="en-US" sz="1125" dirty="0"/>
+          </a:p>
+        </p:txBody>
+      </p:sp>
+      <p:pic>
+        <p:nvPicPr>
+          <p:cNvPr id="6" name="Image 0" descr="/tmp/rasterized-gradient-3987b6b9.png">    </p:cNvPr>
+          <p:cNvPicPr>
+            <a:picLocks noChangeAspect="1"/>
+          </p:cNvPicPr>
+          <p:nvPr/>
+        </p:nvPicPr>
+        <p:blipFill>
+          <a:blip r:embed="rId1"/>
+          <a:stretch>
+            <a:fillRect/>
+          </a:stretch>
+        </p:blipFill>
+        <p:spPr>
+          <a:xfrm>
+            <a:off x="457200" y="3553123"/>
+            <a:ext cx="4019550" cy="390525"/>
+          </a:xfrm>
+          <a:prstGeom prst="rect">
+            <a:avLst/>
+          </a:prstGeom>
+        </p:spPr>
+      </p:pic>
+      <p:sp>
+        <p:nvSpPr>
+          <p:cNvPr id="7" name="Text 4"/>
+          <p:cNvSpPr/>
+          <p:nvPr/>
+        </p:nvSpPr>
+        <p:spPr>
+          <a:xfrm>
+            <a:off x="552450" y="3648373"/>
+            <a:ext cx="3905631" cy="200025"/>
+          </a:xfrm>
+          <a:prstGeom prst="rect">
+            <a:avLst/>
+          </a:prstGeom>
+          <a:noFill/>
+          <a:ln/>
+        </p:spPr>
+        <p:txBody>
+          <a:bodyPr wrap="square" lIns="0" tIns="0" rIns="0" bIns="0" rtlCol="0" anchor="t"/>
+          <a:lstStyle/>
+          <a:p>
+            <a:pPr algn="l" indent="0" marL="0">
+              <a:lnSpc>
+                <a:spcPts val="1575"/>
+              </a:lnSpc>
+              <a:buNone/>
+            </a:pPr>
+            <a:r>
+              <a:rPr lang="en-US" sz="1125" b="1" dirty="0">
+                <a:solidFill>
+                  <a:srgbClr val="1A1A1A"/>
+                </a:solidFill>
+                <a:latin typeface="Arial" pitchFamily="34" charset="0"/>
+                <a:ea typeface="Arial" pitchFamily="34" charset="-122"/>
+                <a:cs typeface="Arial" pitchFamily="34" charset="-120"/>
+              </a:rPr>
+              <a:t>💡 Every change = Git commit = Audit trail</a:t>
+            </a:r>
+            <a:endParaRPr lang="en-US" sz="1125" dirty="0"/>
+          </a:p>
+        </p:txBody>
+      </p:sp>
+      <p:sp>
+        <p:nvSpPr>
+          <p:cNvPr id="8" name="Text 5"/>
+          <p:cNvSpPr/>
+          <p:nvPr/>
+        </p:nvSpPr>
+        <p:spPr>
+          <a:xfrm>
+            <a:off x="4667250" y="1257300"/>
+            <a:ext cx="2137410" cy="211634"/>
+          </a:xfrm>
+          <a:prstGeom prst="rect">
+            <a:avLst/>
+          </a:prstGeom>
+          <a:noFill/>
+          <a:ln/>
+        </p:spPr>
+        <p:txBody>
+          <a:bodyPr wrap="square" lIns="0" tIns="0" rIns="0" bIns="0" rtlCol="0" anchor="t"/>
+          <a:lstStyle/>
+          <a:p>
+            <a:pPr algn="l" indent="0" marL="0">
+              <a:lnSpc>
+                <a:spcPts val="1667"/>
+              </a:lnSpc>
+              <a:spcAft>
+                <a:spcPts val="750"/>
+              </a:spcAft>
+              <a:buNone/>
+            </a:pPr>
+            <a:r>
+              <a:rPr lang="en-US" sz="1500" b="1" dirty="0">
+                <a:solidFill>
+                  <a:srgbClr val="0066CC"/>
+                </a:solidFill>
+                <a:latin typeface="Segoe UI" pitchFamily="34" charset="0"/>
+                <a:ea typeface="Segoe UI" pitchFamily="34" charset="-122"/>
+                <a:cs typeface="Segoe UI" pitchFamily="34" charset="-120"/>
+              </a:rPr>
+              <a:t>PR-Based Workflow</a:t>
+            </a:r>
+            <a:endParaRPr lang="en-US" sz="1500" dirty="0"/>
+          </a:p>
+        </p:txBody>
+      </p:sp>
+      <p:sp>
+        <p:nvSpPr>
+          <p:cNvPr id="9" name="Text 6"/>
+          <p:cNvSpPr/>
+          <p:nvPr/>
+        </p:nvSpPr>
+        <p:spPr>
+          <a:xfrm>
+            <a:off x="4667250" y="1716584"/>
+            <a:ext cx="4019550" cy="622697"/>
+          </a:xfrm>
+          <a:prstGeom prst="roundRect">
+            <a:avLst>
+              <a:gd name="adj" fmla="val 9178"/>
+            </a:avLst>
+          </a:prstGeom>
+          <a:solidFill>
+            <a:srgbClr val="F5F5F5"/>
+          </a:solidFill>
+          <a:ln/>
+        </p:spPr>
+        <p:txBody>
+          <a:bodyPr wrap="square" rtlCol="0" anchor="ctr"/>
+          <a:lstStyle/>
+          <a:p>
+            <a:pPr indent="0" marL="0">
+              <a:buNone/>
+            </a:pPr>
+            <a:endParaRPr lang="en-US" dirty="0"/>
+          </a:p>
+        </p:txBody>
+      </p:sp>
+      <p:sp>
+        <p:nvSpPr>
+          <p:cNvPr id="10" name="Shape 7"/>
+          <p:cNvSpPr/>
+          <p:nvPr/>
+        </p:nvSpPr>
+        <p:spPr>
+          <a:xfrm>
+            <a:off x="4686300" y="1716584"/>
+            <a:ext cx="0" cy="622697"/>
+          </a:xfrm>
+          <a:prstGeom prst="line">
+            <a:avLst/>
+          </a:prstGeom>
+          <a:noFill/>
+          <a:ln w="38100">
+            <a:solidFill>
+              <a:srgbClr val="00A3E0"/>
+            </a:solidFill>
+            <a:prstDash val="solid"/>
+          </a:ln>
+        </p:spPr>
+      </p:sp>
+      <p:sp>
+        <p:nvSpPr>
+          <p:cNvPr id="11" name="Text 8"/>
+          <p:cNvSpPr/>
+          <p:nvPr/>
+        </p:nvSpPr>
+        <p:spPr>
+          <a:xfrm>
+            <a:off x="4819650" y="1830884"/>
+            <a:ext cx="3827907" cy="182761"/>
+          </a:xfrm>
+          <a:prstGeom prst="rect">
+            <a:avLst/>
+          </a:prstGeom>
+          <a:noFill/>
+          <a:ln/>
+        </p:spPr>
+        <p:txBody>
+          <a:bodyPr wrap="square" lIns="0" tIns="0" rIns="0" bIns="0" rtlCol="0" anchor="t"/>
+          <a:lstStyle/>
+          <a:p>
+            <a:pPr algn="l" indent="0" marL="0">
+              <a:lnSpc>
+                <a:spcPts val="1440"/>
+              </a:lnSpc>
+              <a:spcAft>
+                <a:spcPts val="300"/>
+              </a:spcAft>
+              <a:buNone/>
+            </a:pPr>
+            <a:r>
+              <a:rPr lang="en-US" sz="1200" b="1" dirty="0">
+                <a:solidFill>
+                  <a:srgbClr val="003E7E"/>
+                </a:solidFill>
+                <a:latin typeface="Arial" pitchFamily="34" charset="0"/>
+                <a:ea typeface="Arial" pitchFamily="34" charset="-122"/>
+                <a:cs typeface="Arial" pitchFamily="34" charset="-120"/>
+              </a:rPr>
+              <a:t>1. Propose Change</a:t>
+            </a:r>
+            <a:endParaRPr lang="en-US" sz="1200" dirty="0"/>
+          </a:p>
+        </p:txBody>
+      </p:sp>
+      <p:sp>
+        <p:nvSpPr>
+          <p:cNvPr id="12" name="Text 9"/>
+          <p:cNvSpPr/>
+          <p:nvPr/>
+        </p:nvSpPr>
+        <p:spPr>
+          <a:xfrm>
+            <a:off x="4819650" y="2051745"/>
+            <a:ext cx="3827907" cy="173236"/>
+          </a:xfrm>
+          <a:prstGeom prst="rect">
+            <a:avLst/>
+          </a:prstGeom>
+          <a:noFill/>
+          <a:ln/>
+        </p:spPr>
+        <p:txBody>
+          <a:bodyPr wrap="square" lIns="0" tIns="0" rIns="0" bIns="0" rtlCol="0" anchor="t"/>
+          <a:lstStyle/>
+          <a:p>
+            <a:pPr algn="l" indent="0" marL="0">
+              <a:lnSpc>
+                <a:spcPts val="1365"/>
+              </a:lnSpc>
+              <a:buNone/>
+            </a:pPr>
+            <a:r>
+              <a:rPr lang="en-US" sz="1050" dirty="0">
+                <a:solidFill>
+                  <a:srgbClr val="666666"/>
+                </a:solidFill>
+                <a:latin typeface="Arial" pitchFamily="34" charset="0"/>
+                <a:ea typeface="Arial" pitchFamily="34" charset="-122"/>
+                <a:cs typeface="Arial" pitchFamily="34" charset="-120"/>
+              </a:rPr>
+              <a:t>Business owner updates prompt → Creates PR</a:t>
+            </a:r>
+            <a:endParaRPr lang="en-US" sz="1050" dirty="0"/>
+          </a:p>
+        </p:txBody>
+      </p:sp>
+      <p:sp>
+        <p:nvSpPr>
+          <p:cNvPr id="13" name="Text 10"/>
+          <p:cNvSpPr/>
+          <p:nvPr/>
+        </p:nvSpPr>
+        <p:spPr>
+          <a:xfrm>
+            <a:off x="4667250" y="2567880"/>
+            <a:ext cx="4019550" cy="622697"/>
+          </a:xfrm>
+          <a:prstGeom prst="roundRect">
+            <a:avLst>
+              <a:gd name="adj" fmla="val 9178"/>
+            </a:avLst>
+          </a:prstGeom>
+          <a:solidFill>
+            <a:srgbClr val="F5F5F5"/>
+          </a:solidFill>
+          <a:ln/>
+        </p:spPr>
+        <p:txBody>
+          <a:bodyPr wrap="square" rtlCol="0" anchor="ctr"/>
+          <a:lstStyle/>
+          <a:p>
+            <a:pPr indent="0" marL="0">
+              <a:buNone/>
+            </a:pPr>
+            <a:endParaRPr lang="en-US" dirty="0"/>
+          </a:p>
+        </p:txBody>
+      </p:sp>
+      <p:sp>
+        <p:nvSpPr>
+          <p:cNvPr id="14" name="Shape 11"/>
+          <p:cNvSpPr/>
+          <p:nvPr/>
+        </p:nvSpPr>
+        <p:spPr>
+          <a:xfrm>
+            <a:off x="4686300" y="2567880"/>
+            <a:ext cx="0" cy="622697"/>
+          </a:xfrm>
+          <a:prstGeom prst="line">
+            <a:avLst/>
+          </a:prstGeom>
+          <a:noFill/>
+          <a:ln w="38100">
+            <a:solidFill>
+              <a:srgbClr val="00A3E0"/>
+            </a:solidFill>
+            <a:prstDash val="solid"/>
+          </a:ln>
+        </p:spPr>
+      </p:sp>
+      <p:sp>
+        <p:nvSpPr>
+          <p:cNvPr id="15" name="Text 12"/>
+          <p:cNvSpPr/>
+          <p:nvPr/>
+        </p:nvSpPr>
+        <p:spPr>
+          <a:xfrm>
+            <a:off x="4819650" y="2682180"/>
+            <a:ext cx="3827907" cy="182761"/>
+          </a:xfrm>
+          <a:prstGeom prst="rect">
+            <a:avLst/>
+          </a:prstGeom>
+          <a:noFill/>
+          <a:ln/>
+        </p:spPr>
+        <p:txBody>
+          <a:bodyPr wrap="square" lIns="0" tIns="0" rIns="0" bIns="0" rtlCol="0" anchor="t"/>
+          <a:lstStyle/>
+          <a:p>
+            <a:pPr algn="l" indent="0" marL="0">
+              <a:lnSpc>
+                <a:spcPts val="1440"/>
+              </a:lnSpc>
+              <a:spcAft>
+                <a:spcPts val="300"/>
+              </a:spcAft>
+              <a:buNone/>
+            </a:pPr>
+            <a:r>
+              <a:rPr lang="en-US" sz="1200" b="1" dirty="0">
+                <a:solidFill>
+                  <a:srgbClr val="003E7E"/>
+                </a:solidFill>
+                <a:latin typeface="Arial" pitchFamily="34" charset="0"/>
+                <a:ea typeface="Arial" pitchFamily="34" charset="-122"/>
+                <a:cs typeface="Arial" pitchFamily="34" charset="-120"/>
+              </a:rPr>
+              <a:t>2. Automated Testing</a:t>
+            </a:r>
+            <a:endParaRPr lang="en-US" sz="1200" dirty="0"/>
+          </a:p>
+        </p:txBody>
+      </p:sp>
+      <p:sp>
+        <p:nvSpPr>
+          <p:cNvPr id="16" name="Text 13"/>
+          <p:cNvSpPr/>
+          <p:nvPr/>
+        </p:nvSpPr>
+        <p:spPr>
+          <a:xfrm>
+            <a:off x="4819650" y="2903041"/>
+            <a:ext cx="3827907" cy="173236"/>
+          </a:xfrm>
+          <a:prstGeom prst="rect">
+            <a:avLst/>
+          </a:prstGeom>
+          <a:noFill/>
+          <a:ln/>
+        </p:spPr>
+        <p:txBody>
+          <a:bodyPr wrap="square" lIns="0" tIns="0" rIns="0" bIns="0" rtlCol="0" anchor="t"/>
+          <a:lstStyle/>
+          <a:p>
+            <a:pPr algn="l" indent="0" marL="0">
+              <a:lnSpc>
+                <a:spcPts val="1365"/>
+              </a:lnSpc>
+              <a:buNone/>
+            </a:pPr>
+            <a:r>
+              <a:rPr lang="en-US" sz="1050" dirty="0">
+                <a:solidFill>
+                  <a:srgbClr val="666666"/>
+                </a:solidFill>
+                <a:latin typeface="Arial" pitchFamily="34" charset="0"/>
+                <a:ea typeface="Arial" pitchFamily="34" charset="-122"/>
+                <a:cs typeface="Arial" pitchFamily="34" charset="-120"/>
+              </a:rPr>
+              <a:t>CI/CD runs evaluation suite → Quality gates check</a:t>
+            </a:r>
+            <a:endParaRPr lang="en-US" sz="1050" dirty="0"/>
+          </a:p>
+        </p:txBody>
+      </p:sp>
+      <p:sp>
+        <p:nvSpPr>
+          <p:cNvPr id="17" name="Text 14"/>
+          <p:cNvSpPr/>
+          <p:nvPr/>
+        </p:nvSpPr>
+        <p:spPr>
+          <a:xfrm>
+            <a:off x="4667250" y="3419177"/>
+            <a:ext cx="4019550" cy="622697"/>
+          </a:xfrm>
+          <a:prstGeom prst="roundRect">
+            <a:avLst>
+              <a:gd name="adj" fmla="val 9178"/>
+            </a:avLst>
+          </a:prstGeom>
+          <a:solidFill>
+            <a:srgbClr val="F5F5F5"/>
+          </a:solidFill>
+          <a:ln/>
+        </p:spPr>
+        <p:txBody>
+          <a:bodyPr wrap="square" rtlCol="0" anchor="ctr"/>
+          <a:lstStyle/>
+          <a:p>
+            <a:pPr indent="0" marL="0">
+              <a:buNone/>
+            </a:pPr>
+            <a:endParaRPr lang="en-US" dirty="0"/>
+          </a:p>
+        </p:txBody>
+      </p:sp>
+      <p:sp>
+        <p:nvSpPr>
+          <p:cNvPr id="18" name="Shape 15"/>
+          <p:cNvSpPr/>
+          <p:nvPr/>
+        </p:nvSpPr>
+        <p:spPr>
+          <a:xfrm>
+            <a:off x="4686300" y="3419177"/>
+            <a:ext cx="0" cy="622697"/>
+          </a:xfrm>
+          <a:prstGeom prst="line">
+            <a:avLst/>
+          </a:prstGeom>
+          <a:noFill/>
+          <a:ln w="38100">
+            <a:solidFill>
+              <a:srgbClr val="00A3E0"/>
+            </a:solidFill>
+            <a:prstDash val="solid"/>
+          </a:ln>
+        </p:spPr>
+      </p:sp>
+      <p:sp>
+        <p:nvSpPr>
+          <p:cNvPr id="19" name="Text 16"/>
+          <p:cNvSpPr/>
+          <p:nvPr/>
+        </p:nvSpPr>
+        <p:spPr>
+          <a:xfrm>
+            <a:off x="4819650" y="3533477"/>
+            <a:ext cx="3827907" cy="182761"/>
+          </a:xfrm>
+          <a:prstGeom prst="rect">
+            <a:avLst/>
+          </a:prstGeom>
+          <a:noFill/>
+          <a:ln/>
+        </p:spPr>
+        <p:txBody>
+          <a:bodyPr wrap="square" lIns="0" tIns="0" rIns="0" bIns="0" rtlCol="0" anchor="t"/>
+          <a:lstStyle/>
+          <a:p>
+            <a:pPr algn="l" indent="0" marL="0">
+              <a:lnSpc>
+                <a:spcPts val="1440"/>
+              </a:lnSpc>
+              <a:spcAft>
+                <a:spcPts val="300"/>
+              </a:spcAft>
+              <a:buNone/>
+            </a:pPr>
+            <a:r>
+              <a:rPr lang="en-US" sz="1200" b="1" dirty="0">
+                <a:solidFill>
+                  <a:srgbClr val="003E7E"/>
+                </a:solidFill>
+                <a:latin typeface="Arial" pitchFamily="34" charset="0"/>
+                <a:ea typeface="Arial" pitchFamily="34" charset="-122"/>
+                <a:cs typeface="Arial" pitchFamily="34" charset="-120"/>
+              </a:rPr>
+              <a:t>3. Review &amp; Deploy</a:t>
+            </a:r>
+            <a:endParaRPr lang="en-US" sz="1200" dirty="0"/>
+          </a:p>
+        </p:txBody>
+      </p:sp>
+      <p:sp>
+        <p:nvSpPr>
+          <p:cNvPr id="20" name="Text 17"/>
+          <p:cNvSpPr/>
+          <p:nvPr/>
+        </p:nvSpPr>
+        <p:spPr>
+          <a:xfrm>
+            <a:off x="4819650" y="3754338"/>
+            <a:ext cx="3827907" cy="173236"/>
+          </a:xfrm>
+          <a:prstGeom prst="rect">
+            <a:avLst/>
+          </a:prstGeom>
+          <a:noFill/>
+          <a:ln/>
+        </p:spPr>
+        <p:txBody>
+          <a:bodyPr wrap="square" lIns="0" tIns="0" rIns="0" bIns="0" rtlCol="0" anchor="t"/>
+          <a:lstStyle/>
+          <a:p>
+            <a:pPr algn="l" indent="0" marL="0">
+              <a:lnSpc>
+                <a:spcPts val="1365"/>
+              </a:lnSpc>
+              <a:buNone/>
+            </a:pPr>
+            <a:r>
+              <a:rPr lang="en-US" sz="1050" dirty="0">
+                <a:solidFill>
+                  <a:srgbClr val="666666"/>
+                </a:solidFill>
+                <a:latin typeface="Arial" pitchFamily="34" charset="0"/>
+                <a:ea typeface="Arial" pitchFamily="34" charset="-122"/>
+                <a:cs typeface="Arial" pitchFamily="34" charset="-120"/>
+              </a:rPr>
+              <a:t>Team reviews → Approved changes deploy</a:t>
+            </a:r>
+            <a:endParaRPr lang="en-US" sz="1050" dirty="0"/>
+          </a:p>
+        </p:txBody>
+      </p:sp>
+    </p:spTree>
+  </p:cSld>
+  <p:clrMapOvr>
+    <a:masterClrMapping/>
+  </p:clrMapOvr>
+</p:sld>
+</file>
+
+<file path=ppt/slides/slide6.xml><?xml version="1.0" encoding="utf-8"?>
+<p:sld xmlns:a="http://schemas.openxmlformats.org/drawingml/2006/main" xmlns:r="http://schemas.openxmlformats.org/officeDocument/2006/relationships" xmlns:p="http://schemas.openxmlformats.org/presentationml/2006/main">
+  <p:cSld name="Slide 6">
+    <p:bg>
+      <p:bgPr>
+        <a:solidFill>
+          <a:srgbClr val="FFFFFF"/>
+        </a:solidFill>
+      </p:bgPr>
+    </p:bg>
+    <p:spTree>
+      <p:nvGrpSpPr>
+        <p:cNvPr id="1" name=""/>
+        <p:cNvGrpSpPr/>
+        <p:nvPr/>
+      </p:nvGrpSpPr>
+      <p:grpSpPr>
+        <a:xfrm>
+          <a:off x="0" y="0"/>
+          <a:ext cx="0" cy="0"/>
+          <a:chOff x="0" y="0"/>
+          <a:chExt cx="0" cy="0"/>
+        </a:xfrm>
+      </p:grpSpPr>
+      <p:sp>
+        <p:nvSpPr>
+          <p:cNvPr id="2" name="Shape 0"/>
+          <p:cNvSpPr/>
+          <p:nvPr/>
+        </p:nvSpPr>
+        <p:spPr>
+          <a:xfrm>
+            <a:off x="457200" y="1066800"/>
+            <a:ext cx="8229600" cy="0"/>
+          </a:xfrm>
+          <a:prstGeom prst="line">
+            <a:avLst/>
+          </a:prstGeom>
+          <a:noFill/>
+          <a:ln w="38100">
+            <a:solidFill>
+              <a:srgbClr val="00A3E0"/>
+            </a:solidFill>
+            <a:prstDash val="solid"/>
+          </a:ln>
+        </p:spPr>
+      </p:sp>
+      <p:sp>
+        <p:nvSpPr>
+          <p:cNvPr id="3" name="Text 1"/>
+          <p:cNvSpPr/>
+          <p:nvPr/>
+        </p:nvSpPr>
+        <p:spPr>
+          <a:xfrm>
+            <a:off x="457200" y="457200"/>
             <a:ext cx="4653725" cy="457200"/>
           </a:xfrm>
           <a:prstGeom prst="rect">
@@ -3691,7 +4601,7 @@
       </p:sp>
       <p:pic>
         <p:nvPicPr>
-          <p:cNvPr id="8" name="Image 0" descr="/tmp/rasterized-gradient-1c4707df.png">    </p:cNvPr>
+          <p:cNvPr id="8" name="Image 0" descr="/tmp/rasterized-gradient-2d393d89.png">    </p:cNvPr>
           <p:cNvPicPr>
             <a:picLocks noChangeAspect="1"/>
           </p:cNvPicPr>
